--- a/발표자료 및 문서/화면설계서_v1.1.pptx
+++ b/발표자료 및 문서/화면설계서_v1.1.pptx
@@ -24,6 +24,9 @@
     <p:sldId id="269" r:id="rId20"/>
     <p:sldId id="270" r:id="rId21"/>
     <p:sldId id="271" r:id="rId22"/>
+    <p:sldId id="272" r:id="rId23"/>
+    <p:sldId id="273" r:id="rId24"/>
+    <p:sldId id="274" r:id="rId25"/>
   </p:sldIdLst>
   <p:sldSz cy="5143500" cx="9144000"/>
   <p:notesSz cx="6858000" cy="9144000"/>
@@ -1413,7 +1416,7 @@
       </p:grpSpPr>
       <p:sp>
         <p:nvSpPr>
-          <p:cNvPr id="270" name="Google Shape;270;gf1a74e396c_0_102:notes"/>
+          <p:cNvPr id="270" name="Google Shape;270;gf6194c2d02_0_20:notes"/>
           <p:cNvSpPr/>
           <p:nvPr>
             <p:ph idx="2" type="sldImg"/>
@@ -1448,7 +1451,304 @@
       </p:sp>
       <p:sp>
         <p:nvSpPr>
-          <p:cNvPr id="271" name="Google Shape;271;gf1a74e396c_0_102:notes"/>
+          <p:cNvPr id="271" name="Google Shape;271;gf6194c2d02_0_20:notes"/>
+          <p:cNvSpPr txBox="1"/>
+          <p:nvPr>
+            <p:ph idx="1" type="body"/>
+          </p:nvPr>
+        </p:nvSpPr>
+        <p:spPr>
+          <a:xfrm>
+            <a:off x="685800" y="4343400"/>
+            <a:ext cx="5486400" cy="4114800"/>
+          </a:xfrm>
+          <a:prstGeom prst="rect">
+            <a:avLst/>
+          </a:prstGeom>
+        </p:spPr>
+        <p:txBody>
+          <a:bodyPr anchorCtr="0" anchor="t" bIns="91425" lIns="91425" spcFirstLastPara="1" rIns="91425" wrap="square" tIns="91425">
+            <a:noAutofit/>
+          </a:bodyPr>
+          <a:lstStyle/>
+          <a:p>
+            <a:pPr indent="0" lvl="0" marL="0" rtl="0" algn="l">
+              <a:spcBef>
+                <a:spcPts val="0"/>
+              </a:spcBef>
+              <a:spcAft>
+                <a:spcPts val="0"/>
+              </a:spcAft>
+              <a:buNone/>
+            </a:pPr>
+            <a:r>
+              <a:t/>
+            </a:r>
+            <a:endParaRPr/>
+          </a:p>
+        </p:txBody>
+      </p:sp>
+    </p:spTree>
+  </p:cSld>
+  <p:clrMapOvr>
+    <a:masterClrMapping/>
+  </p:clrMapOvr>
+</p:notes>
+</file>
+
+<file path=ppt/notesSlides/notesSlide17.xml><?xml version="1.0" encoding="utf-8"?>
+<p:notes xmlns:a="http://schemas.openxmlformats.org/drawingml/2006/main" xmlns:r="http://schemas.openxmlformats.org/officeDocument/2006/relationships" xmlns:mc="http://schemas.openxmlformats.org/markup-compatibility/2006" xmlns:mv="urn:schemas-microsoft-com:mac:vml" xmlns:p="http://schemas.openxmlformats.org/presentationml/2006/main" xmlns:c="http://schemas.openxmlformats.org/drawingml/2006/chart" xmlns:dgm="http://schemas.openxmlformats.org/drawingml/2006/diagram" xmlns:o="urn:schemas-microsoft-com:office:office" xmlns:v="urn:schemas-microsoft-com:vml" xmlns:pvml="urn:schemas-microsoft-com:office:powerpoint" xmlns:com="http://schemas.openxmlformats.org/drawingml/2006/compatibility" xmlns:p14="http://schemas.microsoft.com/office/powerpoint/2010/main" xmlns:p15="http://schemas.microsoft.com/office/powerpoint/2012/main" xmlns:ahyp="http://schemas.microsoft.com/office/drawing/2018/hyperlinkcolor" showMasterPhAnim="0" showMasterSp="0">
+  <p:cSld>
+    <p:spTree>
+      <p:nvGrpSpPr>
+        <p:cNvPr id="286" name="Shape 286"/>
+        <p:cNvGrpSpPr/>
+        <p:nvPr/>
+      </p:nvGrpSpPr>
+      <p:grpSpPr>
+        <a:xfrm>
+          <a:off x="0" y="0"/>
+          <a:ext cx="0" cy="0"/>
+          <a:chOff x="0" y="0"/>
+          <a:chExt cx="0" cy="0"/>
+        </a:xfrm>
+      </p:grpSpPr>
+      <p:sp>
+        <p:nvSpPr>
+          <p:cNvPr id="287" name="Google Shape;287;gf6194c2d02_0_0:notes"/>
+          <p:cNvSpPr/>
+          <p:nvPr>
+            <p:ph idx="2" type="sldImg"/>
+          </p:nvPr>
+        </p:nvSpPr>
+        <p:spPr>
+          <a:xfrm>
+            <a:off x="381300" y="685800"/>
+            <a:ext cx="6096000" cy="3429000"/>
+          </a:xfrm>
+          <a:custGeom>
+            <a:rect b="b" l="l" r="r" t="t"/>
+            <a:pathLst>
+              <a:path extrusionOk="0" h="120000" w="120000">
+                <a:moveTo>
+                  <a:pt x="0" y="0"/>
+                </a:moveTo>
+                <a:lnTo>
+                  <a:pt x="120000" y="0"/>
+                </a:lnTo>
+                <a:lnTo>
+                  <a:pt x="120000" y="120000"/>
+                </a:lnTo>
+                <a:lnTo>
+                  <a:pt x="0" y="120000"/>
+                </a:lnTo>
+                <a:close/>
+              </a:path>
+            </a:pathLst>
+          </a:custGeom>
+        </p:spPr>
+      </p:sp>
+      <p:sp>
+        <p:nvSpPr>
+          <p:cNvPr id="288" name="Google Shape;288;gf6194c2d02_0_0:notes"/>
+          <p:cNvSpPr txBox="1"/>
+          <p:nvPr>
+            <p:ph idx="1" type="body"/>
+          </p:nvPr>
+        </p:nvSpPr>
+        <p:spPr>
+          <a:xfrm>
+            <a:off x="685800" y="4343400"/>
+            <a:ext cx="5486400" cy="4114800"/>
+          </a:xfrm>
+          <a:prstGeom prst="rect">
+            <a:avLst/>
+          </a:prstGeom>
+        </p:spPr>
+        <p:txBody>
+          <a:bodyPr anchorCtr="0" anchor="t" bIns="91425" lIns="91425" spcFirstLastPara="1" rIns="91425" wrap="square" tIns="91425">
+            <a:noAutofit/>
+          </a:bodyPr>
+          <a:lstStyle/>
+          <a:p>
+            <a:pPr indent="0" lvl="0" marL="0" rtl="0" algn="l">
+              <a:spcBef>
+                <a:spcPts val="0"/>
+              </a:spcBef>
+              <a:spcAft>
+                <a:spcPts val="0"/>
+              </a:spcAft>
+              <a:buNone/>
+            </a:pPr>
+            <a:r>
+              <a:t/>
+            </a:r>
+            <a:endParaRPr/>
+          </a:p>
+        </p:txBody>
+      </p:sp>
+    </p:spTree>
+  </p:cSld>
+  <p:clrMapOvr>
+    <a:masterClrMapping/>
+  </p:clrMapOvr>
+</p:notes>
+</file>
+
+<file path=ppt/notesSlides/notesSlide18.xml><?xml version="1.0" encoding="utf-8"?>
+<p:notes xmlns:a="http://schemas.openxmlformats.org/drawingml/2006/main" xmlns:r="http://schemas.openxmlformats.org/officeDocument/2006/relationships" xmlns:mc="http://schemas.openxmlformats.org/markup-compatibility/2006" xmlns:mv="urn:schemas-microsoft-com:mac:vml" xmlns:p="http://schemas.openxmlformats.org/presentationml/2006/main" xmlns:c="http://schemas.openxmlformats.org/drawingml/2006/chart" xmlns:dgm="http://schemas.openxmlformats.org/drawingml/2006/diagram" xmlns:o="urn:schemas-microsoft-com:office:office" xmlns:v="urn:schemas-microsoft-com:vml" xmlns:pvml="urn:schemas-microsoft-com:office:powerpoint" xmlns:com="http://schemas.openxmlformats.org/drawingml/2006/compatibility" xmlns:p14="http://schemas.microsoft.com/office/powerpoint/2010/main" xmlns:p15="http://schemas.microsoft.com/office/powerpoint/2012/main" xmlns:ahyp="http://schemas.microsoft.com/office/drawing/2018/hyperlinkcolor" showMasterPhAnim="0" showMasterSp="0">
+  <p:cSld>
+    <p:spTree>
+      <p:nvGrpSpPr>
+        <p:cNvPr id="301" name="Shape 301"/>
+        <p:cNvGrpSpPr/>
+        <p:nvPr/>
+      </p:nvGrpSpPr>
+      <p:grpSpPr>
+        <a:xfrm>
+          <a:off x="0" y="0"/>
+          <a:ext cx="0" cy="0"/>
+          <a:chOff x="0" y="0"/>
+          <a:chExt cx="0" cy="0"/>
+        </a:xfrm>
+      </p:grpSpPr>
+      <p:sp>
+        <p:nvSpPr>
+          <p:cNvPr id="302" name="Google Shape;302;gf6194c2d02_0_39:notes"/>
+          <p:cNvSpPr/>
+          <p:nvPr>
+            <p:ph idx="2" type="sldImg"/>
+          </p:nvPr>
+        </p:nvSpPr>
+        <p:spPr>
+          <a:xfrm>
+            <a:off x="381300" y="685800"/>
+            <a:ext cx="6096000" cy="3429000"/>
+          </a:xfrm>
+          <a:custGeom>
+            <a:rect b="b" l="l" r="r" t="t"/>
+            <a:pathLst>
+              <a:path extrusionOk="0" h="120000" w="120000">
+                <a:moveTo>
+                  <a:pt x="0" y="0"/>
+                </a:moveTo>
+                <a:lnTo>
+                  <a:pt x="120000" y="0"/>
+                </a:lnTo>
+                <a:lnTo>
+                  <a:pt x="120000" y="120000"/>
+                </a:lnTo>
+                <a:lnTo>
+                  <a:pt x="0" y="120000"/>
+                </a:lnTo>
+                <a:close/>
+              </a:path>
+            </a:pathLst>
+          </a:custGeom>
+        </p:spPr>
+      </p:sp>
+      <p:sp>
+        <p:nvSpPr>
+          <p:cNvPr id="303" name="Google Shape;303;gf6194c2d02_0_39:notes"/>
+          <p:cNvSpPr txBox="1"/>
+          <p:nvPr>
+            <p:ph idx="1" type="body"/>
+          </p:nvPr>
+        </p:nvSpPr>
+        <p:spPr>
+          <a:xfrm>
+            <a:off x="685800" y="4343400"/>
+            <a:ext cx="5486400" cy="4114800"/>
+          </a:xfrm>
+          <a:prstGeom prst="rect">
+            <a:avLst/>
+          </a:prstGeom>
+        </p:spPr>
+        <p:txBody>
+          <a:bodyPr anchorCtr="0" anchor="t" bIns="91425" lIns="91425" spcFirstLastPara="1" rIns="91425" wrap="square" tIns="91425">
+            <a:noAutofit/>
+          </a:bodyPr>
+          <a:lstStyle/>
+          <a:p>
+            <a:pPr indent="0" lvl="0" marL="0" rtl="0" algn="l">
+              <a:spcBef>
+                <a:spcPts val="0"/>
+              </a:spcBef>
+              <a:spcAft>
+                <a:spcPts val="0"/>
+              </a:spcAft>
+              <a:buNone/>
+            </a:pPr>
+            <a:r>
+              <a:t/>
+            </a:r>
+            <a:endParaRPr/>
+          </a:p>
+        </p:txBody>
+      </p:sp>
+    </p:spTree>
+  </p:cSld>
+  <p:clrMapOvr>
+    <a:masterClrMapping/>
+  </p:clrMapOvr>
+</p:notes>
+</file>
+
+<file path=ppt/notesSlides/notesSlide19.xml><?xml version="1.0" encoding="utf-8"?>
+<p:notes xmlns:a="http://schemas.openxmlformats.org/drawingml/2006/main" xmlns:r="http://schemas.openxmlformats.org/officeDocument/2006/relationships" xmlns:mc="http://schemas.openxmlformats.org/markup-compatibility/2006" xmlns:mv="urn:schemas-microsoft-com:mac:vml" xmlns:p="http://schemas.openxmlformats.org/presentationml/2006/main" xmlns:c="http://schemas.openxmlformats.org/drawingml/2006/chart" xmlns:dgm="http://schemas.openxmlformats.org/drawingml/2006/diagram" xmlns:o="urn:schemas-microsoft-com:office:office" xmlns:v="urn:schemas-microsoft-com:vml" xmlns:pvml="urn:schemas-microsoft-com:office:powerpoint" xmlns:com="http://schemas.openxmlformats.org/drawingml/2006/compatibility" xmlns:p14="http://schemas.microsoft.com/office/powerpoint/2010/main" xmlns:p15="http://schemas.microsoft.com/office/powerpoint/2012/main" xmlns:ahyp="http://schemas.microsoft.com/office/drawing/2018/hyperlinkcolor" showMasterPhAnim="0" showMasterSp="0">
+  <p:cSld>
+    <p:spTree>
+      <p:nvGrpSpPr>
+        <p:cNvPr id="314" name="Shape 314"/>
+        <p:cNvGrpSpPr/>
+        <p:nvPr/>
+      </p:nvGrpSpPr>
+      <p:grpSpPr>
+        <a:xfrm>
+          <a:off x="0" y="0"/>
+          <a:ext cx="0" cy="0"/>
+          <a:chOff x="0" y="0"/>
+          <a:chExt cx="0" cy="0"/>
+        </a:xfrm>
+      </p:grpSpPr>
+      <p:sp>
+        <p:nvSpPr>
+          <p:cNvPr id="315" name="Google Shape;315;gf1a74e396c_0_102:notes"/>
+          <p:cNvSpPr/>
+          <p:nvPr>
+            <p:ph idx="2" type="sldImg"/>
+          </p:nvPr>
+        </p:nvSpPr>
+        <p:spPr>
+          <a:xfrm>
+            <a:off x="381300" y="685800"/>
+            <a:ext cx="6096000" cy="3429000"/>
+          </a:xfrm>
+          <a:custGeom>
+            <a:rect b="b" l="l" r="r" t="t"/>
+            <a:pathLst>
+              <a:path extrusionOk="0" h="120000" w="120000">
+                <a:moveTo>
+                  <a:pt x="0" y="0"/>
+                </a:moveTo>
+                <a:lnTo>
+                  <a:pt x="120000" y="0"/>
+                </a:lnTo>
+                <a:lnTo>
+                  <a:pt x="120000" y="120000"/>
+                </a:lnTo>
+                <a:lnTo>
+                  <a:pt x="0" y="120000"/>
+                </a:lnTo>
+                <a:close/>
+              </a:path>
+            </a:pathLst>
+          </a:custGeom>
+        </p:spPr>
+      </p:sp>
+      <p:sp>
+        <p:nvSpPr>
+          <p:cNvPr id="316" name="Google Shape;316;gf1a74e396c_0_102:notes"/>
           <p:cNvSpPr txBox="1"/>
           <p:nvPr>
             <p:ph idx="1" type="body"/>
@@ -11203,7 +11503,7 @@
 </file>
 
 <file path=ppt/slides/slide16.xml><?xml version="1.0" encoding="utf-8"?>
-<p:sld xmlns:a="http://schemas.openxmlformats.org/drawingml/2006/main" xmlns:r="http://schemas.openxmlformats.org/officeDocument/2006/relationships" xmlns:mc="http://schemas.openxmlformats.org/markup-compatibility/2006" xmlns:mv="urn:schemas-microsoft-com:mac:vml" xmlns:p="http://schemas.openxmlformats.org/presentationml/2006/main" xmlns:c="http://schemas.openxmlformats.org/drawingml/2006/chart" xmlns:dgm="http://schemas.openxmlformats.org/drawingml/2006/diagram" xmlns:o="urn:schemas-microsoft-com:office:office" xmlns:v="urn:schemas-microsoft-com:vml" xmlns:pvml="urn:schemas-microsoft-com:office:powerpoint" xmlns:com="http://schemas.openxmlformats.org/drawingml/2006/compatibility" xmlns:p14="http://schemas.microsoft.com/office/powerpoint/2010/main" xmlns:p15="http://schemas.microsoft.com/office/powerpoint/2012/main" xmlns:ahyp="http://schemas.microsoft.com/office/drawing/2018/hyperlinkcolor" show="0">
+<p:sld xmlns:a="http://schemas.openxmlformats.org/drawingml/2006/main" xmlns:r="http://schemas.openxmlformats.org/officeDocument/2006/relationships" xmlns:mc="http://schemas.openxmlformats.org/markup-compatibility/2006" xmlns:mv="urn:schemas-microsoft-com:mac:vml" xmlns:p="http://schemas.openxmlformats.org/presentationml/2006/main" xmlns:c="http://schemas.openxmlformats.org/drawingml/2006/chart" xmlns:dgm="http://schemas.openxmlformats.org/drawingml/2006/diagram" xmlns:o="urn:schemas-microsoft-com:office:office" xmlns:v="urn:schemas-microsoft-com:vml" xmlns:pvml="urn:schemas-microsoft-com:office:powerpoint" xmlns:com="http://schemas.openxmlformats.org/drawingml/2006/compatibility" xmlns:p14="http://schemas.microsoft.com/office/powerpoint/2010/main" xmlns:p15="http://schemas.microsoft.com/office/powerpoint/2012/main" xmlns:ahyp="http://schemas.microsoft.com/office/drawing/2018/hyperlinkcolor">
   <p:cSld>
     <p:spTree>
       <p:nvGrpSpPr>
@@ -11222,6 +11522,1741 @@
       <p:sp>
         <p:nvSpPr>
           <p:cNvPr id="273" name="Google Shape;273;p28"/>
+          <p:cNvSpPr/>
+          <p:nvPr/>
+        </p:nvSpPr>
+        <p:spPr>
+          <a:xfrm>
+            <a:off x="88800" y="125800"/>
+            <a:ext cx="1243200" cy="258900"/>
+          </a:xfrm>
+          <a:prstGeom prst="rect">
+            <a:avLst/>
+          </a:prstGeom>
+          <a:solidFill>
+            <a:schemeClr val="lt2"/>
+          </a:solidFill>
+          <a:ln cap="flat" cmpd="sng" w="9525">
+            <a:solidFill>
+              <a:schemeClr val="dk2"/>
+            </a:solidFill>
+            <a:prstDash val="solid"/>
+            <a:round/>
+            <a:headEnd len="sm" w="sm" type="none"/>
+            <a:tailEnd len="sm" w="sm" type="none"/>
+          </a:ln>
+        </p:spPr>
+        <p:txBody>
+          <a:bodyPr anchorCtr="0" anchor="ctr" bIns="91425" lIns="91425" spcFirstLastPara="1" rIns="91425" wrap="square" tIns="91425">
+            <a:noAutofit/>
+          </a:bodyPr>
+          <a:lstStyle/>
+          <a:p>
+            <a:pPr indent="0" lvl="0" marL="0" rtl="0" algn="l">
+              <a:spcBef>
+                <a:spcPts val="0"/>
+              </a:spcBef>
+              <a:spcAft>
+                <a:spcPts val="0"/>
+              </a:spcAft>
+              <a:buNone/>
+            </a:pPr>
+            <a:r>
+              <a:rPr b="1" lang="ko" sz="1000"/>
+              <a:t>Page Title</a:t>
+            </a:r>
+            <a:endParaRPr b="1" sz="1000"/>
+          </a:p>
+        </p:txBody>
+      </p:sp>
+      <p:sp>
+        <p:nvSpPr>
+          <p:cNvPr id="274" name="Google Shape;274;p28"/>
+          <p:cNvSpPr/>
+          <p:nvPr/>
+        </p:nvSpPr>
+        <p:spPr>
+          <a:xfrm>
+            <a:off x="3359925" y="125800"/>
+            <a:ext cx="1243200" cy="258900"/>
+          </a:xfrm>
+          <a:prstGeom prst="rect">
+            <a:avLst/>
+          </a:prstGeom>
+          <a:solidFill>
+            <a:schemeClr val="lt2"/>
+          </a:solidFill>
+          <a:ln cap="flat" cmpd="sng" w="9525">
+            <a:solidFill>
+              <a:schemeClr val="dk2"/>
+            </a:solidFill>
+            <a:prstDash val="solid"/>
+            <a:round/>
+            <a:headEnd len="sm" w="sm" type="none"/>
+            <a:tailEnd len="sm" w="sm" type="none"/>
+          </a:ln>
+        </p:spPr>
+        <p:txBody>
+          <a:bodyPr anchorCtr="0" anchor="ctr" bIns="91425" lIns="91425" spcFirstLastPara="1" rIns="91425" wrap="square" tIns="91425">
+            <a:noAutofit/>
+          </a:bodyPr>
+          <a:lstStyle/>
+          <a:p>
+            <a:pPr indent="0" lvl="0" marL="0" rtl="0" algn="l">
+              <a:spcBef>
+                <a:spcPts val="0"/>
+              </a:spcBef>
+              <a:spcAft>
+                <a:spcPts val="0"/>
+              </a:spcAft>
+              <a:buNone/>
+            </a:pPr>
+            <a:r>
+              <a:rPr b="1" lang="ko" sz="1000"/>
+              <a:t>Group Title</a:t>
+            </a:r>
+            <a:endParaRPr b="1" sz="1000"/>
+          </a:p>
+        </p:txBody>
+      </p:sp>
+      <p:sp>
+        <p:nvSpPr>
+          <p:cNvPr id="275" name="Google Shape;275;p28"/>
+          <p:cNvSpPr/>
+          <p:nvPr/>
+        </p:nvSpPr>
+        <p:spPr>
+          <a:xfrm>
+            <a:off x="6634775" y="125800"/>
+            <a:ext cx="2475600" cy="258900"/>
+          </a:xfrm>
+          <a:prstGeom prst="rect">
+            <a:avLst/>
+          </a:prstGeom>
+          <a:solidFill>
+            <a:schemeClr val="lt2"/>
+          </a:solidFill>
+          <a:ln cap="flat" cmpd="sng" w="9525">
+            <a:solidFill>
+              <a:schemeClr val="dk2"/>
+            </a:solidFill>
+            <a:prstDash val="solid"/>
+            <a:round/>
+            <a:headEnd len="sm" w="sm" type="none"/>
+            <a:tailEnd len="sm" w="sm" type="none"/>
+          </a:ln>
+        </p:spPr>
+        <p:txBody>
+          <a:bodyPr anchorCtr="0" anchor="ctr" bIns="91425" lIns="91425" spcFirstLastPara="1" rIns="91425" wrap="square" tIns="91425">
+            <a:noAutofit/>
+          </a:bodyPr>
+          <a:lstStyle/>
+          <a:p>
+            <a:pPr indent="0" lvl="0" marL="0" rtl="0" algn="l">
+              <a:spcBef>
+                <a:spcPts val="0"/>
+              </a:spcBef>
+              <a:spcAft>
+                <a:spcPts val="0"/>
+              </a:spcAft>
+              <a:buNone/>
+            </a:pPr>
+            <a:r>
+              <a:rPr b="1" lang="ko" sz="1000"/>
+              <a:t>Description.</a:t>
+            </a:r>
+            <a:endParaRPr b="1" sz="1000"/>
+          </a:p>
+        </p:txBody>
+      </p:sp>
+      <p:sp>
+        <p:nvSpPr>
+          <p:cNvPr id="276" name="Google Shape;276;p28"/>
+          <p:cNvSpPr/>
+          <p:nvPr/>
+        </p:nvSpPr>
+        <p:spPr>
+          <a:xfrm>
+            <a:off x="1361750" y="125800"/>
+            <a:ext cx="1964700" cy="258900"/>
+          </a:xfrm>
+          <a:prstGeom prst="rect">
+            <a:avLst/>
+          </a:prstGeom>
+          <a:noFill/>
+          <a:ln cap="flat" cmpd="sng" w="9525">
+            <a:solidFill>
+              <a:schemeClr val="dk2"/>
+            </a:solidFill>
+            <a:prstDash val="solid"/>
+            <a:round/>
+            <a:headEnd len="sm" w="sm" type="none"/>
+            <a:tailEnd len="sm" w="sm" type="none"/>
+          </a:ln>
+        </p:spPr>
+        <p:txBody>
+          <a:bodyPr anchorCtr="0" anchor="ctr" bIns="91425" lIns="91425" spcFirstLastPara="1" rIns="91425" wrap="square" tIns="91425">
+            <a:noAutofit/>
+          </a:bodyPr>
+          <a:lstStyle/>
+          <a:p>
+            <a:pPr indent="0" lvl="0" marL="0" rtl="0" algn="l">
+              <a:spcBef>
+                <a:spcPts val="0"/>
+              </a:spcBef>
+              <a:spcAft>
+                <a:spcPts val="0"/>
+              </a:spcAft>
+              <a:buNone/>
+            </a:pPr>
+            <a:r>
+              <a:rPr lang="ko" sz="900">
+                <a:solidFill>
+                  <a:schemeClr val="dk1"/>
+                </a:solidFill>
+              </a:rPr>
+              <a:t>Tableau 페이지</a:t>
+            </a:r>
+            <a:endParaRPr sz="900"/>
+          </a:p>
+        </p:txBody>
+      </p:sp>
+      <p:sp>
+        <p:nvSpPr>
+          <p:cNvPr id="277" name="Google Shape;277;p28"/>
+          <p:cNvSpPr/>
+          <p:nvPr/>
+        </p:nvSpPr>
+        <p:spPr>
+          <a:xfrm>
+            <a:off x="4636600" y="125800"/>
+            <a:ext cx="1964700" cy="258900"/>
+          </a:xfrm>
+          <a:prstGeom prst="rect">
+            <a:avLst/>
+          </a:prstGeom>
+          <a:noFill/>
+          <a:ln cap="flat" cmpd="sng" w="9525">
+            <a:solidFill>
+              <a:schemeClr val="dk2"/>
+            </a:solidFill>
+            <a:prstDash val="solid"/>
+            <a:round/>
+            <a:headEnd len="sm" w="sm" type="none"/>
+            <a:tailEnd len="sm" w="sm" type="none"/>
+          </a:ln>
+        </p:spPr>
+        <p:txBody>
+          <a:bodyPr anchorCtr="0" anchor="ctr" bIns="91425" lIns="91425" spcFirstLastPara="1" rIns="91425" wrap="square" tIns="91425">
+            <a:noAutofit/>
+          </a:bodyPr>
+          <a:lstStyle/>
+          <a:p>
+            <a:pPr indent="0" lvl="0" marL="0" rtl="0" algn="l">
+              <a:spcBef>
+                <a:spcPts val="0"/>
+              </a:spcBef>
+              <a:spcAft>
+                <a:spcPts val="0"/>
+              </a:spcAft>
+              <a:buNone/>
+            </a:pPr>
+            <a:r>
+              <a:rPr lang="ko" sz="1000"/>
+              <a:t>태블로 페이지</a:t>
+            </a:r>
+            <a:endParaRPr sz="1000"/>
+          </a:p>
+        </p:txBody>
+      </p:sp>
+      <p:sp>
+        <p:nvSpPr>
+          <p:cNvPr id="278" name="Google Shape;278;p28"/>
+          <p:cNvSpPr/>
+          <p:nvPr/>
+        </p:nvSpPr>
+        <p:spPr>
+          <a:xfrm>
+            <a:off x="6634775" y="473625"/>
+            <a:ext cx="2475600" cy="4455300"/>
+          </a:xfrm>
+          <a:prstGeom prst="rect">
+            <a:avLst/>
+          </a:prstGeom>
+          <a:noFill/>
+          <a:ln cap="flat" cmpd="sng" w="9525">
+            <a:solidFill>
+              <a:schemeClr val="dk2"/>
+            </a:solidFill>
+            <a:prstDash val="solid"/>
+            <a:round/>
+            <a:headEnd len="sm" w="sm" type="none"/>
+            <a:tailEnd len="sm" w="sm" type="none"/>
+          </a:ln>
+        </p:spPr>
+        <p:txBody>
+          <a:bodyPr anchorCtr="0" anchor="t" bIns="91425" lIns="91425" spcFirstLastPara="1" rIns="91425" wrap="square" tIns="91425">
+            <a:noAutofit/>
+          </a:bodyPr>
+          <a:lstStyle/>
+          <a:p>
+            <a:pPr indent="-279400" lvl="0" marL="457200" rtl="0" algn="just">
+              <a:spcBef>
+                <a:spcPts val="0"/>
+              </a:spcBef>
+              <a:spcAft>
+                <a:spcPts val="0"/>
+              </a:spcAft>
+              <a:buSzPts val="800"/>
+              <a:buAutoNum type="arabicPeriod"/>
+            </a:pPr>
+            <a:r>
+              <a:rPr lang="ko" sz="800"/>
+              <a:t>Tableau에서 DB와 연동해 만든 차트를 홈페이지에 연동하여 보여줌</a:t>
+            </a:r>
+            <a:endParaRPr sz="800"/>
+          </a:p>
+          <a:p>
+            <a:pPr indent="0" lvl="0" marL="0" rtl="0" algn="just">
+              <a:spcBef>
+                <a:spcPts val="0"/>
+              </a:spcBef>
+              <a:spcAft>
+                <a:spcPts val="0"/>
+              </a:spcAft>
+              <a:buNone/>
+            </a:pPr>
+            <a:r>
+              <a:t/>
+            </a:r>
+            <a:endParaRPr sz="800"/>
+          </a:p>
+          <a:p>
+            <a:pPr indent="0" lvl="0" marL="0" rtl="0" algn="just">
+              <a:spcBef>
+                <a:spcPts val="0"/>
+              </a:spcBef>
+              <a:spcAft>
+                <a:spcPts val="0"/>
+              </a:spcAft>
+              <a:buNone/>
+            </a:pPr>
+            <a:r>
+              <a:t/>
+            </a:r>
+            <a:endParaRPr sz="800"/>
+          </a:p>
+          <a:p>
+            <a:pPr indent="-279400" lvl="0" marL="457200" rtl="0" algn="just">
+              <a:spcBef>
+                <a:spcPts val="0"/>
+              </a:spcBef>
+              <a:spcAft>
+                <a:spcPts val="0"/>
+              </a:spcAft>
+              <a:buSzPts val="800"/>
+              <a:buAutoNum type="arabicPeriod"/>
+            </a:pPr>
+            <a:r>
+              <a:rPr lang="ko" sz="800"/>
+              <a:t>마우스를 종목별 차트에 올려놓으면 해당 종목의 시가총액을 표시하</a:t>
+            </a:r>
+            <a:r>
+              <a:rPr lang="ko" sz="800"/>
+              <a:t>고 해당 종목을 클릭하면 개별 주가 차트로 이동</a:t>
+            </a:r>
+            <a:endParaRPr sz="800"/>
+          </a:p>
+        </p:txBody>
+      </p:sp>
+      <p:sp>
+        <p:nvSpPr>
+          <p:cNvPr id="279" name="Google Shape;279;p28"/>
+          <p:cNvSpPr/>
+          <p:nvPr/>
+        </p:nvSpPr>
+        <p:spPr>
+          <a:xfrm>
+            <a:off x="88800" y="4670025"/>
+            <a:ext cx="6512400" cy="258900"/>
+          </a:xfrm>
+          <a:prstGeom prst="rect">
+            <a:avLst/>
+          </a:prstGeom>
+          <a:solidFill>
+            <a:schemeClr val="lt2"/>
+          </a:solidFill>
+          <a:ln cap="flat" cmpd="sng" w="9525">
+            <a:solidFill>
+              <a:schemeClr val="dk2"/>
+            </a:solidFill>
+            <a:prstDash val="solid"/>
+            <a:round/>
+            <a:headEnd len="sm" w="sm" type="none"/>
+            <a:tailEnd len="sm" w="sm" type="none"/>
+          </a:ln>
+        </p:spPr>
+        <p:txBody>
+          <a:bodyPr anchorCtr="0" anchor="ctr" bIns="91425" lIns="91425" spcFirstLastPara="1" rIns="91425" wrap="square" tIns="91425">
+            <a:noAutofit/>
+          </a:bodyPr>
+          <a:lstStyle/>
+          <a:p>
+            <a:pPr indent="0" lvl="0" marL="0" rtl="0" algn="ctr">
+              <a:lnSpc>
+                <a:spcPct val="115000"/>
+              </a:lnSpc>
+              <a:spcBef>
+                <a:spcPts val="0"/>
+              </a:spcBef>
+              <a:spcAft>
+                <a:spcPts val="0"/>
+              </a:spcAft>
+              <a:buNone/>
+            </a:pPr>
+            <a:r>
+              <a:rPr b="1" lang="ko" sz="1000">
+                <a:solidFill>
+                  <a:schemeClr val="dk1"/>
+                </a:solidFill>
+              </a:rPr>
+              <a:t>끝</a:t>
+            </a:r>
+            <a:endParaRPr b="1" sz="1000"/>
+          </a:p>
+        </p:txBody>
+      </p:sp>
+      <p:sp>
+        <p:nvSpPr>
+          <p:cNvPr id="280" name="Google Shape;280;p28"/>
+          <p:cNvSpPr txBox="1"/>
+          <p:nvPr>
+            <p:ph idx="12" type="sldNum"/>
+          </p:nvPr>
+        </p:nvSpPr>
+        <p:spPr>
+          <a:xfrm>
+            <a:off x="8472458" y="4663217"/>
+            <a:ext cx="548700" cy="393600"/>
+          </a:xfrm>
+          <a:prstGeom prst="rect">
+            <a:avLst/>
+          </a:prstGeom>
+        </p:spPr>
+        <p:txBody>
+          <a:bodyPr anchorCtr="0" anchor="ctr" bIns="91425" lIns="91425" spcFirstLastPara="1" rIns="91425" wrap="square" tIns="91425">
+            <a:normAutofit/>
+          </a:bodyPr>
+          <a:lstStyle/>
+          <a:p>
+            <a:pPr indent="0" lvl="0" marL="0" rtl="0" algn="r">
+              <a:spcBef>
+                <a:spcPts val="0"/>
+              </a:spcBef>
+              <a:spcAft>
+                <a:spcPts val="0"/>
+              </a:spcAft>
+              <a:buNone/>
+            </a:pPr>
+            <a:fld id="{00000000-1234-1234-1234-123412341234}" type="slidenum">
+              <a:rPr lang="ko"/>
+              <a:t>‹#›</a:t>
+            </a:fld>
+            <a:endParaRPr/>
+          </a:p>
+        </p:txBody>
+      </p:sp>
+      <p:pic>
+        <p:nvPicPr>
+          <p:cNvPr id="281" name="Google Shape;281;p28"/>
+          <p:cNvPicPr preferRelativeResize="0"/>
+          <p:nvPr/>
+        </p:nvPicPr>
+        <p:blipFill>
+          <a:blip r:embed="rId3">
+            <a:alphaModFix/>
+          </a:blip>
+          <a:stretch>
+            <a:fillRect/>
+          </a:stretch>
+        </p:blipFill>
+        <p:spPr>
+          <a:xfrm>
+            <a:off x="88800" y="568450"/>
+            <a:ext cx="6475351" cy="4031600"/>
+          </a:xfrm>
+          <a:prstGeom prst="rect">
+            <a:avLst/>
+          </a:prstGeom>
+          <a:noFill/>
+          <a:ln>
+            <a:noFill/>
+          </a:ln>
+        </p:spPr>
+      </p:pic>
+      <p:sp>
+        <p:nvSpPr>
+          <p:cNvPr id="282" name="Google Shape;282;p28"/>
+          <p:cNvSpPr/>
+          <p:nvPr/>
+        </p:nvSpPr>
+        <p:spPr>
+          <a:xfrm>
+            <a:off x="935700" y="1062350"/>
+            <a:ext cx="5665500" cy="3537600"/>
+          </a:xfrm>
+          <a:prstGeom prst="rect">
+            <a:avLst/>
+          </a:prstGeom>
+          <a:noFill/>
+          <a:ln cap="flat" cmpd="sng" w="38100">
+            <a:solidFill>
+              <a:srgbClr val="1F497D"/>
+            </a:solidFill>
+            <a:prstDash val="solid"/>
+            <a:round/>
+            <a:headEnd len="sm" w="sm" type="none"/>
+            <a:tailEnd len="sm" w="sm" type="none"/>
+          </a:ln>
+        </p:spPr>
+        <p:txBody>
+          <a:bodyPr anchorCtr="0" anchor="ctr" bIns="91425" lIns="91425" spcFirstLastPara="1" rIns="91425" wrap="square" tIns="91425">
+            <a:noAutofit/>
+          </a:bodyPr>
+          <a:lstStyle/>
+          <a:p>
+            <a:pPr indent="0" lvl="0" marL="0" rtl="0" algn="l">
+              <a:spcBef>
+                <a:spcPts val="0"/>
+              </a:spcBef>
+              <a:spcAft>
+                <a:spcPts val="0"/>
+              </a:spcAft>
+              <a:buNone/>
+            </a:pPr>
+            <a:r>
+              <a:t/>
+            </a:r>
+            <a:endParaRPr/>
+          </a:p>
+          <a:p>
+            <a:pPr indent="0" lvl="0" marL="0" rtl="0" algn="l">
+              <a:spcBef>
+                <a:spcPts val="0"/>
+              </a:spcBef>
+              <a:spcAft>
+                <a:spcPts val="0"/>
+              </a:spcAft>
+              <a:buNone/>
+            </a:pPr>
+            <a:r>
+              <a:t/>
+            </a:r>
+            <a:endParaRPr b="1" sz="2000">
+              <a:solidFill>
+                <a:srgbClr val="980000"/>
+              </a:solidFill>
+            </a:endParaRPr>
+          </a:p>
+        </p:txBody>
+      </p:sp>
+      <p:sp>
+        <p:nvSpPr>
+          <p:cNvPr id="283" name="Google Shape;283;p28"/>
+          <p:cNvSpPr/>
+          <p:nvPr/>
+        </p:nvSpPr>
+        <p:spPr>
+          <a:xfrm>
+            <a:off x="1721525" y="1467750"/>
+            <a:ext cx="1030200" cy="1104000"/>
+          </a:xfrm>
+          <a:prstGeom prst="rect">
+            <a:avLst/>
+          </a:prstGeom>
+          <a:noFill/>
+          <a:ln cap="flat" cmpd="sng" w="38100">
+            <a:solidFill>
+              <a:srgbClr val="1F497D"/>
+            </a:solidFill>
+            <a:prstDash val="solid"/>
+            <a:round/>
+            <a:headEnd len="sm" w="sm" type="none"/>
+            <a:tailEnd len="sm" w="sm" type="none"/>
+          </a:ln>
+        </p:spPr>
+        <p:txBody>
+          <a:bodyPr anchorCtr="0" anchor="ctr" bIns="91425" lIns="91425" spcFirstLastPara="1" rIns="91425" wrap="square" tIns="91425">
+            <a:noAutofit/>
+          </a:bodyPr>
+          <a:lstStyle/>
+          <a:p>
+            <a:pPr indent="0" lvl="0" marL="0" rtl="0" algn="l">
+              <a:spcBef>
+                <a:spcPts val="0"/>
+              </a:spcBef>
+              <a:spcAft>
+                <a:spcPts val="0"/>
+              </a:spcAft>
+              <a:buNone/>
+            </a:pPr>
+            <a:r>
+              <a:t/>
+            </a:r>
+            <a:endParaRPr/>
+          </a:p>
+        </p:txBody>
+      </p:sp>
+      <p:sp>
+        <p:nvSpPr>
+          <p:cNvPr id="284" name="Google Shape;284;p28"/>
+          <p:cNvSpPr txBox="1"/>
+          <p:nvPr/>
+        </p:nvSpPr>
+        <p:spPr>
+          <a:xfrm>
+            <a:off x="820100" y="665988"/>
+            <a:ext cx="423900" cy="492600"/>
+          </a:xfrm>
+          <a:prstGeom prst="rect">
+            <a:avLst/>
+          </a:prstGeom>
+          <a:noFill/>
+          <a:ln>
+            <a:noFill/>
+          </a:ln>
+        </p:spPr>
+        <p:txBody>
+          <a:bodyPr anchorCtr="0" anchor="t" bIns="91425" lIns="91425" spcFirstLastPara="1" rIns="91425" wrap="square" tIns="91425">
+            <a:spAutoFit/>
+          </a:bodyPr>
+          <a:lstStyle/>
+          <a:p>
+            <a:pPr indent="0" lvl="0" marL="0" rtl="0" algn="l">
+              <a:spcBef>
+                <a:spcPts val="0"/>
+              </a:spcBef>
+              <a:spcAft>
+                <a:spcPts val="0"/>
+              </a:spcAft>
+              <a:buNone/>
+            </a:pPr>
+            <a:r>
+              <a:rPr b="1" lang="ko" sz="2000">
+                <a:solidFill>
+                  <a:srgbClr val="980000"/>
+                </a:solidFill>
+              </a:rPr>
+              <a:t>①</a:t>
+            </a:r>
+            <a:endParaRPr/>
+          </a:p>
+        </p:txBody>
+      </p:sp>
+      <p:sp>
+        <p:nvSpPr>
+          <p:cNvPr id="285" name="Google Shape;285;p28"/>
+          <p:cNvSpPr txBox="1"/>
+          <p:nvPr/>
+        </p:nvSpPr>
+        <p:spPr>
+          <a:xfrm>
+            <a:off x="2800475" y="1968300"/>
+            <a:ext cx="4607700" cy="492600"/>
+          </a:xfrm>
+          <a:prstGeom prst="rect">
+            <a:avLst/>
+          </a:prstGeom>
+          <a:noFill/>
+          <a:ln>
+            <a:noFill/>
+          </a:ln>
+        </p:spPr>
+        <p:txBody>
+          <a:bodyPr anchorCtr="0" anchor="t" bIns="91425" lIns="91425" spcFirstLastPara="1" rIns="91425" wrap="square" tIns="91425">
+            <a:spAutoFit/>
+          </a:bodyPr>
+          <a:lstStyle/>
+          <a:p>
+            <a:pPr indent="0" lvl="0" marL="0" rtl="0" algn="l">
+              <a:spcBef>
+                <a:spcPts val="0"/>
+              </a:spcBef>
+              <a:spcAft>
+                <a:spcPts val="0"/>
+              </a:spcAft>
+              <a:buClr>
+                <a:schemeClr val="dk1"/>
+              </a:buClr>
+              <a:buSzPts val="1100"/>
+              <a:buFont typeface="Arial"/>
+              <a:buNone/>
+            </a:pPr>
+            <a:r>
+              <a:rPr b="1" lang="ko" sz="2000">
+                <a:solidFill>
+                  <a:srgbClr val="980000"/>
+                </a:solidFill>
+              </a:rPr>
+              <a:t>②</a:t>
+            </a:r>
+            <a:endParaRPr/>
+          </a:p>
+        </p:txBody>
+      </p:sp>
+    </p:spTree>
+  </p:cSld>
+  <p:clrMapOvr>
+    <a:masterClrMapping/>
+  </p:clrMapOvr>
+</p:sld>
+</file>
+
+<file path=ppt/slides/slide17.xml><?xml version="1.0" encoding="utf-8"?>
+<p:sld xmlns:a="http://schemas.openxmlformats.org/drawingml/2006/main" xmlns:r="http://schemas.openxmlformats.org/officeDocument/2006/relationships" xmlns:mc="http://schemas.openxmlformats.org/markup-compatibility/2006" xmlns:mv="urn:schemas-microsoft-com:mac:vml" xmlns:p="http://schemas.openxmlformats.org/presentationml/2006/main" xmlns:c="http://schemas.openxmlformats.org/drawingml/2006/chart" xmlns:dgm="http://schemas.openxmlformats.org/drawingml/2006/diagram" xmlns:o="urn:schemas-microsoft-com:office:office" xmlns:v="urn:schemas-microsoft-com:vml" xmlns:pvml="urn:schemas-microsoft-com:office:powerpoint" xmlns:com="http://schemas.openxmlformats.org/drawingml/2006/compatibility" xmlns:p14="http://schemas.microsoft.com/office/powerpoint/2010/main" xmlns:p15="http://schemas.microsoft.com/office/powerpoint/2012/main" xmlns:ahyp="http://schemas.microsoft.com/office/drawing/2018/hyperlinkcolor">
+  <p:cSld>
+    <p:spTree>
+      <p:nvGrpSpPr>
+        <p:cNvPr id="289" name="Shape 289"/>
+        <p:cNvGrpSpPr/>
+        <p:nvPr/>
+      </p:nvGrpSpPr>
+      <p:grpSpPr>
+        <a:xfrm>
+          <a:off x="0" y="0"/>
+          <a:ext cx="0" cy="0"/>
+          <a:chOff x="0" y="0"/>
+          <a:chExt cx="0" cy="0"/>
+        </a:xfrm>
+      </p:grpSpPr>
+      <p:sp>
+        <p:nvSpPr>
+          <p:cNvPr id="290" name="Google Shape;290;p29"/>
+          <p:cNvSpPr/>
+          <p:nvPr/>
+        </p:nvSpPr>
+        <p:spPr>
+          <a:xfrm>
+            <a:off x="88800" y="125800"/>
+            <a:ext cx="1243200" cy="258900"/>
+          </a:xfrm>
+          <a:prstGeom prst="rect">
+            <a:avLst/>
+          </a:prstGeom>
+          <a:solidFill>
+            <a:schemeClr val="lt2"/>
+          </a:solidFill>
+          <a:ln cap="flat" cmpd="sng" w="9525">
+            <a:solidFill>
+              <a:schemeClr val="dk2"/>
+            </a:solidFill>
+            <a:prstDash val="solid"/>
+            <a:round/>
+            <a:headEnd len="sm" w="sm" type="none"/>
+            <a:tailEnd len="sm" w="sm" type="none"/>
+          </a:ln>
+        </p:spPr>
+        <p:txBody>
+          <a:bodyPr anchorCtr="0" anchor="ctr" bIns="91425" lIns="91425" spcFirstLastPara="1" rIns="91425" wrap="square" tIns="91425">
+            <a:noAutofit/>
+          </a:bodyPr>
+          <a:lstStyle/>
+          <a:p>
+            <a:pPr indent="0" lvl="0" marL="0" rtl="0" algn="l">
+              <a:spcBef>
+                <a:spcPts val="0"/>
+              </a:spcBef>
+              <a:spcAft>
+                <a:spcPts val="0"/>
+              </a:spcAft>
+              <a:buNone/>
+            </a:pPr>
+            <a:r>
+              <a:rPr b="1" lang="ko" sz="1000"/>
+              <a:t>Page Title</a:t>
+            </a:r>
+            <a:endParaRPr b="1" sz="1000"/>
+          </a:p>
+        </p:txBody>
+      </p:sp>
+      <p:sp>
+        <p:nvSpPr>
+          <p:cNvPr id="291" name="Google Shape;291;p29"/>
+          <p:cNvSpPr/>
+          <p:nvPr/>
+        </p:nvSpPr>
+        <p:spPr>
+          <a:xfrm>
+            <a:off x="3359925" y="125800"/>
+            <a:ext cx="1243200" cy="258900"/>
+          </a:xfrm>
+          <a:prstGeom prst="rect">
+            <a:avLst/>
+          </a:prstGeom>
+          <a:solidFill>
+            <a:schemeClr val="lt2"/>
+          </a:solidFill>
+          <a:ln cap="flat" cmpd="sng" w="9525">
+            <a:solidFill>
+              <a:schemeClr val="dk2"/>
+            </a:solidFill>
+            <a:prstDash val="solid"/>
+            <a:round/>
+            <a:headEnd len="sm" w="sm" type="none"/>
+            <a:tailEnd len="sm" w="sm" type="none"/>
+          </a:ln>
+        </p:spPr>
+        <p:txBody>
+          <a:bodyPr anchorCtr="0" anchor="ctr" bIns="91425" lIns="91425" spcFirstLastPara="1" rIns="91425" wrap="square" tIns="91425">
+            <a:noAutofit/>
+          </a:bodyPr>
+          <a:lstStyle/>
+          <a:p>
+            <a:pPr indent="0" lvl="0" marL="0" rtl="0" algn="l">
+              <a:spcBef>
+                <a:spcPts val="0"/>
+              </a:spcBef>
+              <a:spcAft>
+                <a:spcPts val="0"/>
+              </a:spcAft>
+              <a:buNone/>
+            </a:pPr>
+            <a:r>
+              <a:rPr b="1" lang="ko" sz="1000"/>
+              <a:t>Group Title</a:t>
+            </a:r>
+            <a:endParaRPr b="1" sz="1000"/>
+          </a:p>
+        </p:txBody>
+      </p:sp>
+      <p:sp>
+        <p:nvSpPr>
+          <p:cNvPr id="292" name="Google Shape;292;p29"/>
+          <p:cNvSpPr/>
+          <p:nvPr/>
+        </p:nvSpPr>
+        <p:spPr>
+          <a:xfrm>
+            <a:off x="6634775" y="125800"/>
+            <a:ext cx="2475600" cy="258900"/>
+          </a:xfrm>
+          <a:prstGeom prst="rect">
+            <a:avLst/>
+          </a:prstGeom>
+          <a:solidFill>
+            <a:schemeClr val="lt2"/>
+          </a:solidFill>
+          <a:ln cap="flat" cmpd="sng" w="9525">
+            <a:solidFill>
+              <a:schemeClr val="dk2"/>
+            </a:solidFill>
+            <a:prstDash val="solid"/>
+            <a:round/>
+            <a:headEnd len="sm" w="sm" type="none"/>
+            <a:tailEnd len="sm" w="sm" type="none"/>
+          </a:ln>
+        </p:spPr>
+        <p:txBody>
+          <a:bodyPr anchorCtr="0" anchor="ctr" bIns="91425" lIns="91425" spcFirstLastPara="1" rIns="91425" wrap="square" tIns="91425">
+            <a:noAutofit/>
+          </a:bodyPr>
+          <a:lstStyle/>
+          <a:p>
+            <a:pPr indent="0" lvl="0" marL="0" rtl="0" algn="l">
+              <a:spcBef>
+                <a:spcPts val="0"/>
+              </a:spcBef>
+              <a:spcAft>
+                <a:spcPts val="0"/>
+              </a:spcAft>
+              <a:buNone/>
+            </a:pPr>
+            <a:r>
+              <a:rPr b="1" lang="ko" sz="1000"/>
+              <a:t>Description.</a:t>
+            </a:r>
+            <a:endParaRPr b="1" sz="1000"/>
+          </a:p>
+        </p:txBody>
+      </p:sp>
+      <p:sp>
+        <p:nvSpPr>
+          <p:cNvPr id="293" name="Google Shape;293;p29"/>
+          <p:cNvSpPr/>
+          <p:nvPr/>
+        </p:nvSpPr>
+        <p:spPr>
+          <a:xfrm>
+            <a:off x="1361750" y="125800"/>
+            <a:ext cx="1964700" cy="258900"/>
+          </a:xfrm>
+          <a:prstGeom prst="rect">
+            <a:avLst/>
+          </a:prstGeom>
+          <a:noFill/>
+          <a:ln cap="flat" cmpd="sng" w="9525">
+            <a:solidFill>
+              <a:schemeClr val="dk2"/>
+            </a:solidFill>
+            <a:prstDash val="solid"/>
+            <a:round/>
+            <a:headEnd len="sm" w="sm" type="none"/>
+            <a:tailEnd len="sm" w="sm" type="none"/>
+          </a:ln>
+        </p:spPr>
+        <p:txBody>
+          <a:bodyPr anchorCtr="0" anchor="ctr" bIns="91425" lIns="91425" spcFirstLastPara="1" rIns="91425" wrap="square" tIns="91425">
+            <a:noAutofit/>
+          </a:bodyPr>
+          <a:lstStyle/>
+          <a:p>
+            <a:pPr indent="0" lvl="0" marL="0" rtl="0" algn="l">
+              <a:spcBef>
+                <a:spcPts val="0"/>
+              </a:spcBef>
+              <a:spcAft>
+                <a:spcPts val="0"/>
+              </a:spcAft>
+              <a:buNone/>
+            </a:pPr>
+            <a:r>
+              <a:rPr lang="ko" sz="900">
+                <a:solidFill>
+                  <a:schemeClr val="dk1"/>
+                </a:solidFill>
+              </a:rPr>
+              <a:t>Tableau 페이지 - 주가 Tableau</a:t>
+            </a:r>
+            <a:endParaRPr sz="900"/>
+          </a:p>
+        </p:txBody>
+      </p:sp>
+      <p:sp>
+        <p:nvSpPr>
+          <p:cNvPr id="294" name="Google Shape;294;p29"/>
+          <p:cNvSpPr/>
+          <p:nvPr/>
+        </p:nvSpPr>
+        <p:spPr>
+          <a:xfrm>
+            <a:off x="4636600" y="125800"/>
+            <a:ext cx="1964700" cy="258900"/>
+          </a:xfrm>
+          <a:prstGeom prst="rect">
+            <a:avLst/>
+          </a:prstGeom>
+          <a:noFill/>
+          <a:ln cap="flat" cmpd="sng" w="9525">
+            <a:solidFill>
+              <a:schemeClr val="dk2"/>
+            </a:solidFill>
+            <a:prstDash val="solid"/>
+            <a:round/>
+            <a:headEnd len="sm" w="sm" type="none"/>
+            <a:tailEnd len="sm" w="sm" type="none"/>
+          </a:ln>
+        </p:spPr>
+        <p:txBody>
+          <a:bodyPr anchorCtr="0" anchor="ctr" bIns="91425" lIns="91425" spcFirstLastPara="1" rIns="91425" wrap="square" tIns="91425">
+            <a:noAutofit/>
+          </a:bodyPr>
+          <a:lstStyle/>
+          <a:p>
+            <a:pPr indent="0" lvl="0" marL="0" rtl="0" algn="l">
+              <a:spcBef>
+                <a:spcPts val="0"/>
+              </a:spcBef>
+              <a:spcAft>
+                <a:spcPts val="0"/>
+              </a:spcAft>
+              <a:buNone/>
+            </a:pPr>
+            <a:r>
+              <a:rPr lang="ko" sz="1000"/>
+              <a:t>태블로 페이지</a:t>
+            </a:r>
+            <a:endParaRPr sz="1000"/>
+          </a:p>
+        </p:txBody>
+      </p:sp>
+      <p:sp>
+        <p:nvSpPr>
+          <p:cNvPr id="295" name="Google Shape;295;p29"/>
+          <p:cNvSpPr/>
+          <p:nvPr/>
+        </p:nvSpPr>
+        <p:spPr>
+          <a:xfrm>
+            <a:off x="6634775" y="473625"/>
+            <a:ext cx="2475600" cy="4455300"/>
+          </a:xfrm>
+          <a:prstGeom prst="rect">
+            <a:avLst/>
+          </a:prstGeom>
+          <a:noFill/>
+          <a:ln cap="flat" cmpd="sng" w="9525">
+            <a:solidFill>
+              <a:schemeClr val="dk2"/>
+            </a:solidFill>
+            <a:prstDash val="solid"/>
+            <a:round/>
+            <a:headEnd len="sm" w="sm" type="none"/>
+            <a:tailEnd len="sm" w="sm" type="none"/>
+          </a:ln>
+        </p:spPr>
+        <p:txBody>
+          <a:bodyPr anchorCtr="0" anchor="t" bIns="91425" lIns="91425" spcFirstLastPara="1" rIns="91425" wrap="square" tIns="91425">
+            <a:noAutofit/>
+          </a:bodyPr>
+          <a:lstStyle/>
+          <a:p>
+            <a:pPr indent="0" lvl="0" marL="0" rtl="0" algn="just">
+              <a:spcBef>
+                <a:spcPts val="0"/>
+              </a:spcBef>
+              <a:spcAft>
+                <a:spcPts val="0"/>
+              </a:spcAft>
+              <a:buNone/>
+            </a:pPr>
+            <a:r>
+              <a:rPr lang="ko" sz="800"/>
+              <a:t> 3. 해당 종목을 누르면 캔들차트로 표시된 주가 그래프가 보여짐</a:t>
+            </a:r>
+            <a:endParaRPr sz="800"/>
+          </a:p>
+        </p:txBody>
+      </p:sp>
+      <p:sp>
+        <p:nvSpPr>
+          <p:cNvPr id="296" name="Google Shape;296;p29"/>
+          <p:cNvSpPr/>
+          <p:nvPr/>
+        </p:nvSpPr>
+        <p:spPr>
+          <a:xfrm>
+            <a:off x="88800" y="4670025"/>
+            <a:ext cx="6512400" cy="258900"/>
+          </a:xfrm>
+          <a:prstGeom prst="rect">
+            <a:avLst/>
+          </a:prstGeom>
+          <a:solidFill>
+            <a:schemeClr val="lt2"/>
+          </a:solidFill>
+          <a:ln cap="flat" cmpd="sng" w="9525">
+            <a:solidFill>
+              <a:schemeClr val="dk2"/>
+            </a:solidFill>
+            <a:prstDash val="solid"/>
+            <a:round/>
+            <a:headEnd len="sm" w="sm" type="none"/>
+            <a:tailEnd len="sm" w="sm" type="none"/>
+          </a:ln>
+        </p:spPr>
+        <p:txBody>
+          <a:bodyPr anchorCtr="0" anchor="ctr" bIns="91425" lIns="91425" spcFirstLastPara="1" rIns="91425" wrap="square" tIns="91425">
+            <a:noAutofit/>
+          </a:bodyPr>
+          <a:lstStyle/>
+          <a:p>
+            <a:pPr indent="0" lvl="0" marL="0" rtl="0" algn="ctr">
+              <a:lnSpc>
+                <a:spcPct val="115000"/>
+              </a:lnSpc>
+              <a:spcBef>
+                <a:spcPts val="0"/>
+              </a:spcBef>
+              <a:spcAft>
+                <a:spcPts val="0"/>
+              </a:spcAft>
+              <a:buNone/>
+            </a:pPr>
+            <a:r>
+              <a:rPr b="1" lang="ko" sz="1000">
+                <a:solidFill>
+                  <a:schemeClr val="dk1"/>
+                </a:solidFill>
+              </a:rPr>
+              <a:t>끝</a:t>
+            </a:r>
+            <a:endParaRPr b="1" sz="1000"/>
+          </a:p>
+        </p:txBody>
+      </p:sp>
+      <p:sp>
+        <p:nvSpPr>
+          <p:cNvPr id="297" name="Google Shape;297;p29"/>
+          <p:cNvSpPr txBox="1"/>
+          <p:nvPr>
+            <p:ph idx="12" type="sldNum"/>
+          </p:nvPr>
+        </p:nvSpPr>
+        <p:spPr>
+          <a:xfrm>
+            <a:off x="8472458" y="4663217"/>
+            <a:ext cx="548700" cy="393600"/>
+          </a:xfrm>
+          <a:prstGeom prst="rect">
+            <a:avLst/>
+          </a:prstGeom>
+        </p:spPr>
+        <p:txBody>
+          <a:bodyPr anchorCtr="0" anchor="ctr" bIns="91425" lIns="91425" spcFirstLastPara="1" rIns="91425" wrap="square" tIns="91425">
+            <a:normAutofit/>
+          </a:bodyPr>
+          <a:lstStyle/>
+          <a:p>
+            <a:pPr indent="0" lvl="0" marL="0" rtl="0" algn="r">
+              <a:spcBef>
+                <a:spcPts val="0"/>
+              </a:spcBef>
+              <a:spcAft>
+                <a:spcPts val="0"/>
+              </a:spcAft>
+              <a:buNone/>
+            </a:pPr>
+            <a:fld id="{00000000-1234-1234-1234-123412341234}" type="slidenum">
+              <a:rPr lang="ko"/>
+              <a:t>‹#›</a:t>
+            </a:fld>
+            <a:endParaRPr/>
+          </a:p>
+        </p:txBody>
+      </p:sp>
+      <p:pic>
+        <p:nvPicPr>
+          <p:cNvPr id="298" name="Google Shape;298;p29"/>
+          <p:cNvPicPr preferRelativeResize="0"/>
+          <p:nvPr/>
+        </p:nvPicPr>
+        <p:blipFill rotWithShape="1">
+          <a:blip r:embed="rId3">
+            <a:alphaModFix/>
+          </a:blip>
+          <a:srcRect b="0" l="0" r="-12044" t="0"/>
+          <a:stretch/>
+        </p:blipFill>
+        <p:spPr>
+          <a:xfrm>
+            <a:off x="137300" y="546525"/>
+            <a:ext cx="6398075" cy="3973600"/>
+          </a:xfrm>
+          <a:prstGeom prst="rect">
+            <a:avLst/>
+          </a:prstGeom>
+          <a:noFill/>
+          <a:ln>
+            <a:noFill/>
+          </a:ln>
+        </p:spPr>
+      </p:pic>
+      <p:sp>
+        <p:nvSpPr>
+          <p:cNvPr id="299" name="Google Shape;299;p29"/>
+          <p:cNvSpPr txBox="1"/>
+          <p:nvPr/>
+        </p:nvSpPr>
+        <p:spPr>
+          <a:xfrm>
+            <a:off x="780100" y="897963"/>
+            <a:ext cx="423900" cy="492600"/>
+          </a:xfrm>
+          <a:prstGeom prst="rect">
+            <a:avLst/>
+          </a:prstGeom>
+          <a:noFill/>
+          <a:ln>
+            <a:noFill/>
+          </a:ln>
+        </p:spPr>
+        <p:txBody>
+          <a:bodyPr anchorCtr="0" anchor="t" bIns="91425" lIns="91425" spcFirstLastPara="1" rIns="91425" wrap="square" tIns="91425">
+            <a:spAutoFit/>
+          </a:bodyPr>
+          <a:lstStyle/>
+          <a:p>
+            <a:pPr indent="0" lvl="0" marL="0" rtl="0" algn="l">
+              <a:spcBef>
+                <a:spcPts val="0"/>
+              </a:spcBef>
+              <a:spcAft>
+                <a:spcPts val="0"/>
+              </a:spcAft>
+              <a:buNone/>
+            </a:pPr>
+            <a:r>
+              <a:rPr b="1" lang="ko" sz="2000">
+                <a:solidFill>
+                  <a:srgbClr val="980000"/>
+                </a:solidFill>
+              </a:rPr>
+              <a:t>③</a:t>
+            </a:r>
+            <a:endParaRPr/>
+          </a:p>
+        </p:txBody>
+      </p:sp>
+      <p:sp>
+        <p:nvSpPr>
+          <p:cNvPr id="300" name="Google Shape;300;p29"/>
+          <p:cNvSpPr/>
+          <p:nvPr/>
+        </p:nvSpPr>
+        <p:spPr>
+          <a:xfrm>
+            <a:off x="999625" y="1250513"/>
+            <a:ext cx="5496900" cy="3327600"/>
+          </a:xfrm>
+          <a:prstGeom prst="rect">
+            <a:avLst/>
+          </a:prstGeom>
+          <a:noFill/>
+          <a:ln cap="flat" cmpd="sng" w="38100">
+            <a:solidFill>
+              <a:srgbClr val="1F497D"/>
+            </a:solidFill>
+            <a:prstDash val="solid"/>
+            <a:round/>
+            <a:headEnd len="sm" w="sm" type="none"/>
+            <a:tailEnd len="sm" w="sm" type="none"/>
+          </a:ln>
+        </p:spPr>
+        <p:txBody>
+          <a:bodyPr anchorCtr="0" anchor="ctr" bIns="91425" lIns="91425" spcFirstLastPara="1" rIns="91425" wrap="square" tIns="91425">
+            <a:noAutofit/>
+          </a:bodyPr>
+          <a:lstStyle/>
+          <a:p>
+            <a:pPr indent="0" lvl="0" marL="0" rtl="0" algn="l">
+              <a:spcBef>
+                <a:spcPts val="0"/>
+              </a:spcBef>
+              <a:spcAft>
+                <a:spcPts val="0"/>
+              </a:spcAft>
+              <a:buNone/>
+            </a:pPr>
+            <a:r>
+              <a:t/>
+            </a:r>
+            <a:endParaRPr/>
+          </a:p>
+          <a:p>
+            <a:pPr indent="0" lvl="0" marL="0" rtl="0" algn="l">
+              <a:spcBef>
+                <a:spcPts val="0"/>
+              </a:spcBef>
+              <a:spcAft>
+                <a:spcPts val="0"/>
+              </a:spcAft>
+              <a:buNone/>
+            </a:pPr>
+            <a:r>
+              <a:t/>
+            </a:r>
+            <a:endParaRPr b="1" sz="2000">
+              <a:solidFill>
+                <a:srgbClr val="980000"/>
+              </a:solidFill>
+            </a:endParaRPr>
+          </a:p>
+        </p:txBody>
+      </p:sp>
+    </p:spTree>
+  </p:cSld>
+  <p:clrMapOvr>
+    <a:masterClrMapping/>
+  </p:clrMapOvr>
+</p:sld>
+</file>
+
+<file path=ppt/slides/slide18.xml><?xml version="1.0" encoding="utf-8"?>
+<p:sld xmlns:a="http://schemas.openxmlformats.org/drawingml/2006/main" xmlns:r="http://schemas.openxmlformats.org/officeDocument/2006/relationships" xmlns:mc="http://schemas.openxmlformats.org/markup-compatibility/2006" xmlns:mv="urn:schemas-microsoft-com:mac:vml" xmlns:p="http://schemas.openxmlformats.org/presentationml/2006/main" xmlns:c="http://schemas.openxmlformats.org/drawingml/2006/chart" xmlns:dgm="http://schemas.openxmlformats.org/drawingml/2006/diagram" xmlns:o="urn:schemas-microsoft-com:office:office" xmlns:v="urn:schemas-microsoft-com:vml" xmlns:pvml="urn:schemas-microsoft-com:office:powerpoint" xmlns:com="http://schemas.openxmlformats.org/drawingml/2006/compatibility" xmlns:p14="http://schemas.microsoft.com/office/powerpoint/2010/main" xmlns:p15="http://schemas.microsoft.com/office/powerpoint/2012/main" xmlns:ahyp="http://schemas.microsoft.com/office/drawing/2018/hyperlinkcolor">
+  <p:cSld>
+    <p:spTree>
+      <p:nvGrpSpPr>
+        <p:cNvPr id="304" name="Shape 304"/>
+        <p:cNvGrpSpPr/>
+        <p:nvPr/>
+      </p:nvGrpSpPr>
+      <p:grpSpPr>
+        <a:xfrm>
+          <a:off x="0" y="0"/>
+          <a:ext cx="0" cy="0"/>
+          <a:chOff x="0" y="0"/>
+          <a:chExt cx="0" cy="0"/>
+        </a:xfrm>
+      </p:grpSpPr>
+      <p:sp>
+        <p:nvSpPr>
+          <p:cNvPr id="305" name="Google Shape;305;p30"/>
+          <p:cNvSpPr/>
+          <p:nvPr/>
+        </p:nvSpPr>
+        <p:spPr>
+          <a:xfrm>
+            <a:off x="88800" y="125800"/>
+            <a:ext cx="1243200" cy="258900"/>
+          </a:xfrm>
+          <a:prstGeom prst="rect">
+            <a:avLst/>
+          </a:prstGeom>
+          <a:solidFill>
+            <a:schemeClr val="lt2"/>
+          </a:solidFill>
+          <a:ln cap="flat" cmpd="sng" w="9525">
+            <a:solidFill>
+              <a:schemeClr val="dk2"/>
+            </a:solidFill>
+            <a:prstDash val="solid"/>
+            <a:round/>
+            <a:headEnd len="sm" w="sm" type="none"/>
+            <a:tailEnd len="sm" w="sm" type="none"/>
+          </a:ln>
+        </p:spPr>
+        <p:txBody>
+          <a:bodyPr anchorCtr="0" anchor="ctr" bIns="91425" lIns="91425" spcFirstLastPara="1" rIns="91425" wrap="square" tIns="91425">
+            <a:noAutofit/>
+          </a:bodyPr>
+          <a:lstStyle/>
+          <a:p>
+            <a:pPr indent="0" lvl="0" marL="0" rtl="0" algn="l">
+              <a:spcBef>
+                <a:spcPts val="0"/>
+              </a:spcBef>
+              <a:spcAft>
+                <a:spcPts val="0"/>
+              </a:spcAft>
+              <a:buNone/>
+            </a:pPr>
+            <a:r>
+              <a:rPr b="1" lang="ko" sz="1000"/>
+              <a:t>Page Title</a:t>
+            </a:r>
+            <a:endParaRPr b="1" sz="1000"/>
+          </a:p>
+        </p:txBody>
+      </p:sp>
+      <p:sp>
+        <p:nvSpPr>
+          <p:cNvPr id="306" name="Google Shape;306;p30"/>
+          <p:cNvSpPr/>
+          <p:nvPr/>
+        </p:nvSpPr>
+        <p:spPr>
+          <a:xfrm>
+            <a:off x="3359925" y="125800"/>
+            <a:ext cx="1243200" cy="258900"/>
+          </a:xfrm>
+          <a:prstGeom prst="rect">
+            <a:avLst/>
+          </a:prstGeom>
+          <a:solidFill>
+            <a:schemeClr val="lt2"/>
+          </a:solidFill>
+          <a:ln cap="flat" cmpd="sng" w="9525">
+            <a:solidFill>
+              <a:schemeClr val="dk2"/>
+            </a:solidFill>
+            <a:prstDash val="solid"/>
+            <a:round/>
+            <a:headEnd len="sm" w="sm" type="none"/>
+            <a:tailEnd len="sm" w="sm" type="none"/>
+          </a:ln>
+        </p:spPr>
+        <p:txBody>
+          <a:bodyPr anchorCtr="0" anchor="ctr" bIns="91425" lIns="91425" spcFirstLastPara="1" rIns="91425" wrap="square" tIns="91425">
+            <a:noAutofit/>
+          </a:bodyPr>
+          <a:lstStyle/>
+          <a:p>
+            <a:pPr indent="0" lvl="0" marL="0" rtl="0" algn="l">
+              <a:spcBef>
+                <a:spcPts val="0"/>
+              </a:spcBef>
+              <a:spcAft>
+                <a:spcPts val="0"/>
+              </a:spcAft>
+              <a:buNone/>
+            </a:pPr>
+            <a:r>
+              <a:rPr b="1" lang="ko" sz="1000"/>
+              <a:t>Group Title</a:t>
+            </a:r>
+            <a:endParaRPr b="1" sz="1000"/>
+          </a:p>
+        </p:txBody>
+      </p:sp>
+      <p:sp>
+        <p:nvSpPr>
+          <p:cNvPr id="307" name="Google Shape;307;p30"/>
+          <p:cNvSpPr/>
+          <p:nvPr/>
+        </p:nvSpPr>
+        <p:spPr>
+          <a:xfrm>
+            <a:off x="6634775" y="125800"/>
+            <a:ext cx="2475600" cy="258900"/>
+          </a:xfrm>
+          <a:prstGeom prst="rect">
+            <a:avLst/>
+          </a:prstGeom>
+          <a:solidFill>
+            <a:schemeClr val="lt2"/>
+          </a:solidFill>
+          <a:ln cap="flat" cmpd="sng" w="9525">
+            <a:solidFill>
+              <a:schemeClr val="dk2"/>
+            </a:solidFill>
+            <a:prstDash val="solid"/>
+            <a:round/>
+            <a:headEnd len="sm" w="sm" type="none"/>
+            <a:tailEnd len="sm" w="sm" type="none"/>
+          </a:ln>
+        </p:spPr>
+        <p:txBody>
+          <a:bodyPr anchorCtr="0" anchor="ctr" bIns="91425" lIns="91425" spcFirstLastPara="1" rIns="91425" wrap="square" tIns="91425">
+            <a:noAutofit/>
+          </a:bodyPr>
+          <a:lstStyle/>
+          <a:p>
+            <a:pPr indent="0" lvl="0" marL="0" rtl="0" algn="l">
+              <a:spcBef>
+                <a:spcPts val="0"/>
+              </a:spcBef>
+              <a:spcAft>
+                <a:spcPts val="0"/>
+              </a:spcAft>
+              <a:buNone/>
+            </a:pPr>
+            <a:r>
+              <a:rPr b="1" lang="ko" sz="1000"/>
+              <a:t>Description.</a:t>
+            </a:r>
+            <a:endParaRPr b="1" sz="1000"/>
+          </a:p>
+        </p:txBody>
+      </p:sp>
+      <p:sp>
+        <p:nvSpPr>
+          <p:cNvPr id="308" name="Google Shape;308;p30"/>
+          <p:cNvSpPr/>
+          <p:nvPr/>
+        </p:nvSpPr>
+        <p:spPr>
+          <a:xfrm>
+            <a:off x="1361750" y="125800"/>
+            <a:ext cx="1964700" cy="258900"/>
+          </a:xfrm>
+          <a:prstGeom prst="rect">
+            <a:avLst/>
+          </a:prstGeom>
+          <a:noFill/>
+          <a:ln cap="flat" cmpd="sng" w="9525">
+            <a:solidFill>
+              <a:schemeClr val="dk2"/>
+            </a:solidFill>
+            <a:prstDash val="solid"/>
+            <a:round/>
+            <a:headEnd len="sm" w="sm" type="none"/>
+            <a:tailEnd len="sm" w="sm" type="none"/>
+          </a:ln>
+        </p:spPr>
+        <p:txBody>
+          <a:bodyPr anchorCtr="0" anchor="ctr" bIns="91425" lIns="91425" spcFirstLastPara="1" rIns="91425" wrap="square" tIns="91425">
+            <a:noAutofit/>
+          </a:bodyPr>
+          <a:lstStyle/>
+          <a:p>
+            <a:pPr indent="0" lvl="0" marL="0" rtl="0" algn="l">
+              <a:spcBef>
+                <a:spcPts val="0"/>
+              </a:spcBef>
+              <a:spcAft>
+                <a:spcPts val="0"/>
+              </a:spcAft>
+              <a:buNone/>
+            </a:pPr>
+            <a:r>
+              <a:rPr lang="ko" sz="900">
+                <a:solidFill>
+                  <a:schemeClr val="dk1"/>
+                </a:solidFill>
+              </a:rPr>
+              <a:t>Tableau 페이지 - 주가 Tableau</a:t>
+            </a:r>
+            <a:endParaRPr sz="900"/>
+          </a:p>
+        </p:txBody>
+      </p:sp>
+      <p:sp>
+        <p:nvSpPr>
+          <p:cNvPr id="309" name="Google Shape;309;p30"/>
+          <p:cNvSpPr/>
+          <p:nvPr/>
+        </p:nvSpPr>
+        <p:spPr>
+          <a:xfrm>
+            <a:off x="4636600" y="125800"/>
+            <a:ext cx="1964700" cy="258900"/>
+          </a:xfrm>
+          <a:prstGeom prst="rect">
+            <a:avLst/>
+          </a:prstGeom>
+          <a:noFill/>
+          <a:ln cap="flat" cmpd="sng" w="9525">
+            <a:solidFill>
+              <a:schemeClr val="dk2"/>
+            </a:solidFill>
+            <a:prstDash val="solid"/>
+            <a:round/>
+            <a:headEnd len="sm" w="sm" type="none"/>
+            <a:tailEnd len="sm" w="sm" type="none"/>
+          </a:ln>
+        </p:spPr>
+        <p:txBody>
+          <a:bodyPr anchorCtr="0" anchor="ctr" bIns="91425" lIns="91425" spcFirstLastPara="1" rIns="91425" wrap="square" tIns="91425">
+            <a:noAutofit/>
+          </a:bodyPr>
+          <a:lstStyle/>
+          <a:p>
+            <a:pPr indent="0" lvl="0" marL="0" rtl="0" algn="l">
+              <a:spcBef>
+                <a:spcPts val="0"/>
+              </a:spcBef>
+              <a:spcAft>
+                <a:spcPts val="0"/>
+              </a:spcAft>
+              <a:buNone/>
+            </a:pPr>
+            <a:r>
+              <a:rPr lang="ko" sz="1000"/>
+              <a:t>태블로 페이지</a:t>
+            </a:r>
+            <a:endParaRPr sz="1000"/>
+          </a:p>
+        </p:txBody>
+      </p:sp>
+      <p:sp>
+        <p:nvSpPr>
+          <p:cNvPr id="310" name="Google Shape;310;p30"/>
+          <p:cNvSpPr/>
+          <p:nvPr/>
+        </p:nvSpPr>
+        <p:spPr>
+          <a:xfrm>
+            <a:off x="6634775" y="473625"/>
+            <a:ext cx="2475600" cy="4455300"/>
+          </a:xfrm>
+          <a:prstGeom prst="rect">
+            <a:avLst/>
+          </a:prstGeom>
+          <a:noFill/>
+          <a:ln cap="flat" cmpd="sng" w="9525">
+            <a:solidFill>
+              <a:schemeClr val="dk2"/>
+            </a:solidFill>
+            <a:prstDash val="solid"/>
+            <a:round/>
+            <a:headEnd len="sm" w="sm" type="none"/>
+            <a:tailEnd len="sm" w="sm" type="none"/>
+          </a:ln>
+        </p:spPr>
+        <p:txBody>
+          <a:bodyPr anchorCtr="0" anchor="t" bIns="91425" lIns="91425" spcFirstLastPara="1" rIns="91425" wrap="square" tIns="91425">
+            <a:noAutofit/>
+          </a:bodyPr>
+          <a:lstStyle/>
+          <a:p>
+            <a:pPr indent="0" lvl="0" marL="0" rtl="0" algn="just">
+              <a:spcBef>
+                <a:spcPts val="0"/>
+              </a:spcBef>
+              <a:spcAft>
+                <a:spcPts val="0"/>
+              </a:spcAft>
+              <a:buNone/>
+            </a:pPr>
+            <a:r>
+              <a:rPr lang="ko" sz="800"/>
+              <a:t> 3. 해당 종목을 누르면 캔들차트로 표시된 주가 그래프가 보여짐</a:t>
+            </a:r>
+            <a:endParaRPr sz="800"/>
+          </a:p>
+        </p:txBody>
+      </p:sp>
+      <p:sp>
+        <p:nvSpPr>
+          <p:cNvPr id="311" name="Google Shape;311;p30"/>
+          <p:cNvSpPr/>
+          <p:nvPr/>
+        </p:nvSpPr>
+        <p:spPr>
+          <a:xfrm>
+            <a:off x="88800" y="4670025"/>
+            <a:ext cx="6512400" cy="258900"/>
+          </a:xfrm>
+          <a:prstGeom prst="rect">
+            <a:avLst/>
+          </a:prstGeom>
+          <a:solidFill>
+            <a:schemeClr val="lt2"/>
+          </a:solidFill>
+          <a:ln cap="flat" cmpd="sng" w="9525">
+            <a:solidFill>
+              <a:schemeClr val="dk2"/>
+            </a:solidFill>
+            <a:prstDash val="solid"/>
+            <a:round/>
+            <a:headEnd len="sm" w="sm" type="none"/>
+            <a:tailEnd len="sm" w="sm" type="none"/>
+          </a:ln>
+        </p:spPr>
+        <p:txBody>
+          <a:bodyPr anchorCtr="0" anchor="ctr" bIns="91425" lIns="91425" spcFirstLastPara="1" rIns="91425" wrap="square" tIns="91425">
+            <a:noAutofit/>
+          </a:bodyPr>
+          <a:lstStyle/>
+          <a:p>
+            <a:pPr indent="0" lvl="0" marL="0" rtl="0" algn="ctr">
+              <a:lnSpc>
+                <a:spcPct val="115000"/>
+              </a:lnSpc>
+              <a:spcBef>
+                <a:spcPts val="0"/>
+              </a:spcBef>
+              <a:spcAft>
+                <a:spcPts val="0"/>
+              </a:spcAft>
+              <a:buNone/>
+            </a:pPr>
+            <a:r>
+              <a:rPr b="1" lang="ko" sz="1000">
+                <a:solidFill>
+                  <a:schemeClr val="dk1"/>
+                </a:solidFill>
+              </a:rPr>
+              <a:t>끝</a:t>
+            </a:r>
+            <a:endParaRPr b="1" sz="1000"/>
+          </a:p>
+        </p:txBody>
+      </p:sp>
+      <p:sp>
+        <p:nvSpPr>
+          <p:cNvPr id="312" name="Google Shape;312;p30"/>
+          <p:cNvSpPr txBox="1"/>
+          <p:nvPr>
+            <p:ph idx="12" type="sldNum"/>
+          </p:nvPr>
+        </p:nvSpPr>
+        <p:spPr>
+          <a:xfrm>
+            <a:off x="8472458" y="4663217"/>
+            <a:ext cx="548700" cy="393600"/>
+          </a:xfrm>
+          <a:prstGeom prst="rect">
+            <a:avLst/>
+          </a:prstGeom>
+        </p:spPr>
+        <p:txBody>
+          <a:bodyPr anchorCtr="0" anchor="ctr" bIns="91425" lIns="91425" spcFirstLastPara="1" rIns="91425" wrap="square" tIns="91425">
+            <a:normAutofit/>
+          </a:bodyPr>
+          <a:lstStyle/>
+          <a:p>
+            <a:pPr indent="0" lvl="0" marL="0" rtl="0" algn="r">
+              <a:spcBef>
+                <a:spcPts val="0"/>
+              </a:spcBef>
+              <a:spcAft>
+                <a:spcPts val="0"/>
+              </a:spcAft>
+              <a:buNone/>
+            </a:pPr>
+            <a:fld id="{00000000-1234-1234-1234-123412341234}" type="slidenum">
+              <a:rPr lang="ko"/>
+              <a:t>‹#›</a:t>
+            </a:fld>
+            <a:endParaRPr/>
+          </a:p>
+        </p:txBody>
+      </p:sp>
+      <p:sp>
+        <p:nvSpPr>
+          <p:cNvPr id="313" name="Google Shape;313;p30"/>
+          <p:cNvSpPr txBox="1"/>
+          <p:nvPr/>
+        </p:nvSpPr>
+        <p:spPr>
+          <a:xfrm>
+            <a:off x="780100" y="897963"/>
+            <a:ext cx="423900" cy="492600"/>
+          </a:xfrm>
+          <a:prstGeom prst="rect">
+            <a:avLst/>
+          </a:prstGeom>
+          <a:noFill/>
+          <a:ln>
+            <a:noFill/>
+          </a:ln>
+        </p:spPr>
+        <p:txBody>
+          <a:bodyPr anchorCtr="0" anchor="t" bIns="91425" lIns="91425" spcFirstLastPara="1" rIns="91425" wrap="square" tIns="91425">
+            <a:spAutoFit/>
+          </a:bodyPr>
+          <a:lstStyle/>
+          <a:p>
+            <a:pPr indent="0" lvl="0" marL="0" rtl="0" algn="l">
+              <a:spcBef>
+                <a:spcPts val="0"/>
+              </a:spcBef>
+              <a:spcAft>
+                <a:spcPts val="0"/>
+              </a:spcAft>
+              <a:buNone/>
+            </a:pPr>
+            <a:r>
+              <a:rPr b="1" lang="ko" sz="2000">
+                <a:solidFill>
+                  <a:srgbClr val="980000"/>
+                </a:solidFill>
+              </a:rPr>
+              <a:t>③</a:t>
+            </a:r>
+            <a:endParaRPr/>
+          </a:p>
+        </p:txBody>
+      </p:sp>
+    </p:spTree>
+  </p:cSld>
+  <p:clrMapOvr>
+    <a:masterClrMapping/>
+  </p:clrMapOvr>
+</p:sld>
+</file>
+
+<file path=ppt/slides/slide19.xml><?xml version="1.0" encoding="utf-8"?>
+<p:sld xmlns:a="http://schemas.openxmlformats.org/drawingml/2006/main" xmlns:r="http://schemas.openxmlformats.org/officeDocument/2006/relationships" xmlns:mc="http://schemas.openxmlformats.org/markup-compatibility/2006" xmlns:mv="urn:schemas-microsoft-com:mac:vml" xmlns:p="http://schemas.openxmlformats.org/presentationml/2006/main" xmlns:c="http://schemas.openxmlformats.org/drawingml/2006/chart" xmlns:dgm="http://schemas.openxmlformats.org/drawingml/2006/diagram" xmlns:o="urn:schemas-microsoft-com:office:office" xmlns:v="urn:schemas-microsoft-com:vml" xmlns:pvml="urn:schemas-microsoft-com:office:powerpoint" xmlns:com="http://schemas.openxmlformats.org/drawingml/2006/compatibility" xmlns:p14="http://schemas.microsoft.com/office/powerpoint/2010/main" xmlns:p15="http://schemas.microsoft.com/office/powerpoint/2012/main" xmlns:ahyp="http://schemas.microsoft.com/office/drawing/2018/hyperlinkcolor" show="0">
+  <p:cSld>
+    <p:spTree>
+      <p:nvGrpSpPr>
+        <p:cNvPr id="317" name="Shape 317"/>
+        <p:cNvGrpSpPr/>
+        <p:nvPr/>
+      </p:nvGrpSpPr>
+      <p:grpSpPr>
+        <a:xfrm>
+          <a:off x="0" y="0"/>
+          <a:ext cx="0" cy="0"/>
+          <a:chOff x="0" y="0"/>
+          <a:chExt cx="0" cy="0"/>
+        </a:xfrm>
+      </p:grpSpPr>
+      <p:sp>
+        <p:nvSpPr>
+          <p:cNvPr id="318" name="Google Shape;318;p31"/>
           <p:cNvSpPr txBox="1"/>
           <p:nvPr>
             <p:ph type="ctrTitle"/>
@@ -11261,7 +13296,7 @@
       </p:sp>
       <p:sp>
         <p:nvSpPr>
-          <p:cNvPr id="274" name="Google Shape;274;p28"/>
+          <p:cNvPr id="319" name="Google Shape;319;p31"/>
           <p:cNvSpPr txBox="1"/>
           <p:nvPr>
             <p:ph idx="1" type="subTitle"/>
@@ -11300,7 +13335,7 @@
       </p:sp>
       <p:sp>
         <p:nvSpPr>
-          <p:cNvPr id="275" name="Google Shape;275;p28"/>
+          <p:cNvPr id="320" name="Google Shape;320;p31"/>
           <p:cNvSpPr txBox="1"/>
           <p:nvPr>
             <p:ph idx="12" type="sldNum"/>
@@ -11428,7 +13463,7 @@
             <a:tbl>
               <a:tblPr>
                 <a:noFill/>
-                <a:tableStyleId>{360F24D5-42AE-413E-B3C0-B2B3E966418C}</a:tableStyleId>
+                <a:tableStyleId>{BA7CBC46-4D01-4AAE-8D4F-1B240B682EB4}</a:tableStyleId>
               </a:tblPr>
               <a:tblGrid>
                 <a:gridCol w="947275"/>
@@ -15524,7 +17559,7 @@
             <a:tbl>
               <a:tblPr>
                 <a:noFill/>
-                <a:tableStyleId>{360F24D5-42AE-413E-B3C0-B2B3E966418C}</a:tableStyleId>
+                <a:tableStyleId>{BA7CBC46-4D01-4AAE-8D4F-1B240B682EB4}</a:tableStyleId>
               </a:tblPr>
               <a:tblGrid>
                 <a:gridCol w="1101050"/>
@@ -20560,7 +22595,7 @@
             <a:tbl>
               <a:tblPr>
                 <a:noFill/>
-                <a:tableStyleId>{360F24D5-42AE-413E-B3C0-B2B3E966418C}</a:tableStyleId>
+                <a:tableStyleId>{BA7CBC46-4D01-4AAE-8D4F-1B240B682EB4}</a:tableStyleId>
               </a:tblPr>
               <a:tblGrid>
                 <a:gridCol w="1101050"/>
